--- a/Presentation/20170314 - Xamarin Forms to the platform and back.pptx
+++ b/Presentation/20170314 - Xamarin Forms to the platform and back.pptx
@@ -10654,6 +10654,51 @@
           </a:p>
           <a:p>
             <a:pPr algn="l"/>
+            <a:r>
+              <a:rPr lang="en-US" dirty="0" smtClean="0">
+                <a:solidFill>
+                  <a:srgbClr val="2BA5BD"/>
+                </a:solidFill>
+              </a:rPr>
+              <a:t>Demo code</a:t>
+            </a:r>
+          </a:p>
+          <a:p>
+            <a:pPr algn="l"/>
+            <a:r>
+              <a:rPr lang="en-US" sz="1600" dirty="0">
+                <a:solidFill>
+                  <a:srgbClr val="2BA5BD"/>
+                </a:solidFill>
+                <a:hlinkClick r:id="rId3"/>
+              </a:rPr>
+              <a:t>https://</a:t>
+            </a:r>
+            <a:r>
+              <a:rPr lang="en-US" sz="1600" dirty="0" smtClean="0">
+                <a:solidFill>
+                  <a:srgbClr val="2BA5BD"/>
+                </a:solidFill>
+                <a:hlinkClick r:id="rId3"/>
+              </a:rPr>
+              <a:t>github.com/Depechie/2017-Meetup-XamarinFormsNativeDemo</a:t>
+            </a:r>
+            <a:endParaRPr lang="en-US" sz="1600" dirty="0" smtClean="0">
+              <a:solidFill>
+                <a:srgbClr val="2BA5BD"/>
+              </a:solidFill>
+            </a:endParaRPr>
+          </a:p>
+          <a:p>
+            <a:pPr algn="l"/>
+            <a:endParaRPr lang="en-US" dirty="0" smtClean="0">
+              <a:solidFill>
+                <a:srgbClr val="2BA5BD"/>
+              </a:solidFill>
+            </a:endParaRPr>
+          </a:p>
+          <a:p>
+            <a:pPr algn="l"/>
             <a:endParaRPr lang="en-US" dirty="0" smtClean="0">
               <a:solidFill>
                 <a:srgbClr val="2BA5BD"/>
@@ -10729,7 +10774,7 @@
           <p:nvPr/>
         </p:nvPicPr>
         <p:blipFill>
-          <a:blip r:embed="rId3">
+          <a:blip r:embed="rId4">
             <a:extLst>
               <a:ext uri="{28A0092B-C50C-407E-A947-70E740481C1C}">
                 <a14:useLocalDpi xmlns:a14="http://schemas.microsoft.com/office/drawing/2010/main" val="0"/>
@@ -12570,21 +12615,8 @@
                   <a:srgbClr val="2BA5BD"/>
                 </a:solidFill>
               </a:rPr>
-              <a:t> forms has several solutions to solve the uniform control </a:t>
-            </a:r>
-            <a:r>
-              <a:rPr lang="en-US" dirty="0" smtClean="0">
-                <a:solidFill>
-                  <a:srgbClr val="2BA5BD"/>
-                </a:solidFill>
-              </a:rPr>
-              <a:t>handling</a:t>
-            </a:r>
-            <a:endParaRPr lang="en-US" dirty="0" smtClean="0">
-              <a:solidFill>
-                <a:srgbClr val="2BA5BD"/>
-              </a:solidFill>
-            </a:endParaRPr>
+              <a:t> forms has several solutions to solve the uniform control handling</a:t>
+            </a:r>
           </a:p>
           <a:p>
             <a:pPr algn="l"/>

--- a/Presentation/20170314 - Xamarin Forms to the platform and back.pptx
+++ b/Presentation/20170314 - Xamarin Forms to the platform and back.pptx
@@ -5,7 +5,7 @@
     <p:sldMasterId id="2147483648" r:id="rId1"/>
   </p:sldMasterIdLst>
   <p:notesMasterIdLst>
-    <p:notesMasterId r:id="rId19"/>
+    <p:notesMasterId r:id="rId20"/>
   </p:notesMasterIdLst>
   <p:sldIdLst>
     <p:sldId id="256" r:id="rId2"/>
@@ -24,7 +24,8 @@
     <p:sldId id="269" r:id="rId15"/>
     <p:sldId id="270" r:id="rId16"/>
     <p:sldId id="271" r:id="rId17"/>
-    <p:sldId id="274" r:id="rId18"/>
+    <p:sldId id="275" r:id="rId18"/>
+    <p:sldId id="274" r:id="rId19"/>
   </p:sldIdLst>
   <p:sldSz cx="12192000" cy="6858000"/>
   <p:notesSz cx="6858000" cy="9144000"/>
@@ -3664,6 +3665,696 @@
     <p:extLst>
       <p:ext uri="{BB962C8B-B14F-4D97-AF65-F5344CB8AC3E}">
         <p14:creationId xmlns:p14="http://schemas.microsoft.com/office/powerpoint/2010/main" val="1591820627"/>
+      </p:ext>
+    </p:extLst>
+  </p:cSld>
+  <p:clrMapOvr>
+    <a:masterClrMapping/>
+  </p:clrMapOvr>
+</p:notes>
+</file>
+
+<file path=ppt/notesSlides/notesSlide9.xml><?xml version="1.0" encoding="utf-8"?>
+<p:notes xmlns:a="http://schemas.openxmlformats.org/drawingml/2006/main" xmlns:r="http://schemas.openxmlformats.org/officeDocument/2006/relationships" xmlns:p="http://schemas.openxmlformats.org/presentationml/2006/main">
+  <p:cSld>
+    <p:spTree>
+      <p:nvGrpSpPr>
+        <p:cNvPr id="1" name=""/>
+        <p:cNvGrpSpPr/>
+        <p:nvPr/>
+      </p:nvGrpSpPr>
+      <p:grpSpPr>
+        <a:xfrm>
+          <a:off x="0" y="0"/>
+          <a:ext cx="0" cy="0"/>
+          <a:chOff x="0" y="0"/>
+          <a:chExt cx="0" cy="0"/>
+        </a:xfrm>
+      </p:grpSpPr>
+      <p:sp>
+        <p:nvSpPr>
+          <p:cNvPr id="2" name="Slide Image Placeholder 1"/>
+          <p:cNvSpPr>
+            <a:spLocks noGrp="1" noRot="1" noChangeAspect="1"/>
+          </p:cNvSpPr>
+          <p:nvPr>
+            <p:ph type="sldImg"/>
+          </p:nvPr>
+        </p:nvSpPr>
+        <p:spPr/>
+      </p:sp>
+      <p:sp>
+        <p:nvSpPr>
+          <p:cNvPr id="3" name="Notes Placeholder 2"/>
+          <p:cNvSpPr>
+            <a:spLocks noGrp="1"/>
+          </p:cNvSpPr>
+          <p:nvPr>
+            <p:ph type="body" idx="1"/>
+          </p:nvPr>
+        </p:nvSpPr>
+        <p:spPr/>
+        <p:txBody>
+          <a:bodyPr/>
+          <a:lstStyle/>
+          <a:p>
+            <a:pPr marL="171450" indent="-171450" rtl="0" fontAlgn="ctr">
+              <a:buFont typeface="Arial" charset="0"/>
+              <a:buChar char="•"/>
+            </a:pPr>
+            <a:r>
+              <a:rPr lang="nl-NL" sz="1200" kern="1200" dirty="0" smtClean="0">
+                <a:solidFill>
+                  <a:schemeClr val="tx1"/>
+                </a:solidFill>
+                <a:effectLst/>
+                <a:latin typeface="+mn-lt"/>
+                <a:ea typeface="+mn-ea"/>
+                <a:cs typeface="+mn-cs"/>
+              </a:rPr>
+              <a:t>Platform </a:t>
+            </a:r>
+            <a:r>
+              <a:rPr lang="nl-NL" sz="1200" kern="1200" dirty="0" err="1" smtClean="0">
+                <a:solidFill>
+                  <a:schemeClr val="tx1"/>
+                </a:solidFill>
+                <a:effectLst/>
+                <a:latin typeface="+mn-lt"/>
+                <a:ea typeface="+mn-ea"/>
+                <a:cs typeface="+mn-cs"/>
+              </a:rPr>
+              <a:t>specifics</a:t>
+            </a:r>
+            <a:r>
+              <a:rPr lang="nl-NL" sz="1200" kern="1200" dirty="0" smtClean="0">
+                <a:solidFill>
+                  <a:schemeClr val="tx1"/>
+                </a:solidFill>
+                <a:effectLst/>
+                <a:latin typeface="+mn-lt"/>
+                <a:ea typeface="+mn-ea"/>
+                <a:cs typeface="+mn-cs"/>
+              </a:rPr>
+              <a:t> folder in PCL project</a:t>
+            </a:r>
+          </a:p>
+          <a:p>
+            <a:pPr marL="171450" indent="-171450" rtl="0" fontAlgn="ctr">
+              <a:buFont typeface="Arial" charset="0"/>
+              <a:buChar char="•"/>
+            </a:pPr>
+            <a:r>
+              <a:rPr lang="nl-NL" sz="1200" kern="1200" dirty="0" err="1" smtClean="0">
+                <a:solidFill>
+                  <a:schemeClr val="tx1"/>
+                </a:solidFill>
+                <a:effectLst/>
+                <a:latin typeface="+mn-lt"/>
+                <a:ea typeface="+mn-ea"/>
+                <a:cs typeface="+mn-cs"/>
+              </a:rPr>
+              <a:t>Create</a:t>
+            </a:r>
+            <a:r>
+              <a:rPr lang="nl-NL" sz="1200" kern="1200" dirty="0" smtClean="0">
+                <a:solidFill>
+                  <a:schemeClr val="tx1"/>
+                </a:solidFill>
+                <a:effectLst/>
+                <a:latin typeface="+mn-lt"/>
+                <a:ea typeface="+mn-ea"/>
+                <a:cs typeface="+mn-cs"/>
+              </a:rPr>
+              <a:t> </a:t>
+            </a:r>
+            <a:r>
+              <a:rPr lang="nl-NL" sz="1200" kern="1200" dirty="0" err="1" smtClean="0">
+                <a:solidFill>
+                  <a:schemeClr val="tx1"/>
+                </a:solidFill>
+                <a:effectLst/>
+                <a:latin typeface="+mn-lt"/>
+                <a:ea typeface="+mn-ea"/>
+                <a:cs typeface="+mn-cs"/>
+              </a:rPr>
+              <a:t>static</a:t>
+            </a:r>
+            <a:r>
+              <a:rPr lang="nl-NL" sz="1200" kern="1200" dirty="0" smtClean="0">
+                <a:solidFill>
+                  <a:schemeClr val="tx1"/>
+                </a:solidFill>
+                <a:effectLst/>
+                <a:latin typeface="+mn-lt"/>
+                <a:ea typeface="+mn-ea"/>
+                <a:cs typeface="+mn-cs"/>
+              </a:rPr>
+              <a:t> class </a:t>
+            </a:r>
+            <a:r>
+              <a:rPr lang="nl-NL" sz="1200" kern="1200" dirty="0" err="1" smtClean="0">
+                <a:solidFill>
+                  <a:schemeClr val="tx1"/>
+                </a:solidFill>
+                <a:effectLst/>
+                <a:latin typeface="+mn-lt"/>
+                <a:ea typeface="+mn-ea"/>
+                <a:cs typeface="+mn-cs"/>
+              </a:rPr>
+              <a:t>for</a:t>
+            </a:r>
+            <a:r>
+              <a:rPr lang="nl-NL" sz="1200" kern="1200" dirty="0" smtClean="0">
+                <a:solidFill>
+                  <a:schemeClr val="tx1"/>
+                </a:solidFill>
+                <a:effectLst/>
+                <a:latin typeface="+mn-lt"/>
+                <a:ea typeface="+mn-ea"/>
+                <a:cs typeface="+mn-cs"/>
+              </a:rPr>
+              <a:t>  platforms </a:t>
+            </a:r>
+            <a:r>
+              <a:rPr lang="nl-NL" sz="1200" kern="1200" dirty="0" err="1" smtClean="0">
+                <a:solidFill>
+                  <a:schemeClr val="tx1"/>
+                </a:solidFill>
+                <a:effectLst/>
+                <a:latin typeface="+mn-lt"/>
+                <a:ea typeface="+mn-ea"/>
+                <a:cs typeface="+mn-cs"/>
+              </a:rPr>
+              <a:t>specific</a:t>
+            </a:r>
+            <a:r>
+              <a:rPr lang="nl-NL" sz="1200" kern="1200" dirty="0" smtClean="0">
+                <a:solidFill>
+                  <a:schemeClr val="tx1"/>
+                </a:solidFill>
+                <a:effectLst/>
+                <a:latin typeface="+mn-lt"/>
+                <a:ea typeface="+mn-ea"/>
+                <a:cs typeface="+mn-cs"/>
+              </a:rPr>
+              <a:t> </a:t>
+            </a:r>
+            <a:r>
+              <a:rPr lang="nl-NL" sz="1200" kern="1200" dirty="0" err="1" smtClean="0">
+                <a:solidFill>
+                  <a:schemeClr val="tx1"/>
+                </a:solidFill>
+                <a:effectLst/>
+                <a:latin typeface="+mn-lt"/>
+                <a:ea typeface="+mn-ea"/>
+                <a:cs typeface="+mn-cs"/>
+              </a:rPr>
+              <a:t>wrapper</a:t>
+            </a:r>
+            <a:endParaRPr lang="nl-NL" sz="1200" kern="1200" dirty="0" smtClean="0">
+              <a:solidFill>
+                <a:schemeClr val="tx1"/>
+              </a:solidFill>
+              <a:effectLst/>
+              <a:latin typeface="+mn-lt"/>
+              <a:ea typeface="+mn-ea"/>
+              <a:cs typeface="+mn-cs"/>
+            </a:endParaRPr>
+          </a:p>
+          <a:p>
+            <a:pPr marL="171450" indent="-171450" rtl="0" fontAlgn="ctr">
+              <a:buFont typeface="Arial" charset="0"/>
+              <a:buChar char="•"/>
+            </a:pPr>
+            <a:r>
+              <a:rPr lang="nl-NL" sz="1200" kern="1200" dirty="0" err="1" smtClean="0">
+                <a:solidFill>
+                  <a:schemeClr val="tx1"/>
+                </a:solidFill>
+                <a:effectLst/>
+                <a:latin typeface="+mn-lt"/>
+                <a:ea typeface="+mn-ea"/>
+                <a:cs typeface="+mn-cs"/>
+              </a:rPr>
+              <a:t>Add</a:t>
+            </a:r>
+            <a:r>
+              <a:rPr lang="nl-NL" sz="1200" kern="1200" dirty="0" smtClean="0">
+                <a:solidFill>
+                  <a:schemeClr val="tx1"/>
+                </a:solidFill>
+                <a:effectLst/>
+                <a:latin typeface="+mn-lt"/>
+                <a:ea typeface="+mn-ea"/>
+                <a:cs typeface="+mn-cs"/>
+              </a:rPr>
+              <a:t> </a:t>
+            </a:r>
+            <a:r>
+              <a:rPr lang="nl-NL" sz="1200" kern="1200" dirty="0" err="1" smtClean="0">
+                <a:solidFill>
+                  <a:schemeClr val="tx1"/>
+                </a:solidFill>
+                <a:effectLst/>
+                <a:latin typeface="+mn-lt"/>
+                <a:ea typeface="+mn-ea"/>
+                <a:cs typeface="+mn-cs"/>
+              </a:rPr>
+              <a:t>Attached</a:t>
+            </a:r>
+            <a:r>
+              <a:rPr lang="nl-NL" sz="1200" kern="1200" dirty="0" smtClean="0">
+                <a:solidFill>
+                  <a:schemeClr val="tx1"/>
+                </a:solidFill>
+                <a:effectLst/>
+                <a:latin typeface="+mn-lt"/>
+                <a:ea typeface="+mn-ea"/>
+                <a:cs typeface="+mn-cs"/>
+              </a:rPr>
+              <a:t> property </a:t>
+            </a:r>
+            <a:r>
+              <a:rPr lang="nl-NL" sz="1200" kern="1200" dirty="0" err="1" smtClean="0">
+                <a:solidFill>
+                  <a:schemeClr val="tx1"/>
+                </a:solidFill>
+                <a:effectLst/>
+                <a:latin typeface="+mn-lt"/>
+                <a:ea typeface="+mn-ea"/>
+                <a:cs typeface="+mn-cs"/>
+              </a:rPr>
+              <a:t>to</a:t>
+            </a:r>
+            <a:r>
+              <a:rPr lang="nl-NL" sz="1200" kern="1200" dirty="0" smtClean="0">
+                <a:solidFill>
+                  <a:schemeClr val="tx1"/>
+                </a:solidFill>
+                <a:effectLst/>
+                <a:latin typeface="+mn-lt"/>
+                <a:ea typeface="+mn-ea"/>
+                <a:cs typeface="+mn-cs"/>
+              </a:rPr>
+              <a:t> </a:t>
+            </a:r>
+            <a:r>
+              <a:rPr lang="nl-NL" sz="1200" kern="1200" dirty="0" err="1" smtClean="0">
+                <a:solidFill>
+                  <a:schemeClr val="tx1"/>
+                </a:solidFill>
+                <a:effectLst/>
+                <a:latin typeface="+mn-lt"/>
+                <a:ea typeface="+mn-ea"/>
+                <a:cs typeface="+mn-cs"/>
+              </a:rPr>
+              <a:t>enable</a:t>
+            </a:r>
+            <a:r>
+              <a:rPr lang="nl-NL" sz="1200" kern="1200" dirty="0" smtClean="0">
+                <a:solidFill>
+                  <a:schemeClr val="tx1"/>
+                </a:solidFill>
+                <a:effectLst/>
+                <a:latin typeface="+mn-lt"/>
+                <a:ea typeface="+mn-ea"/>
+                <a:cs typeface="+mn-cs"/>
+              </a:rPr>
+              <a:t> XAML </a:t>
+            </a:r>
+            <a:r>
+              <a:rPr lang="nl-NL" sz="1200" kern="1200" dirty="0" err="1" smtClean="0">
+                <a:solidFill>
+                  <a:schemeClr val="tx1"/>
+                </a:solidFill>
+                <a:effectLst/>
+                <a:latin typeface="+mn-lt"/>
+                <a:ea typeface="+mn-ea"/>
+                <a:cs typeface="+mn-cs"/>
+              </a:rPr>
+              <a:t>usage</a:t>
+            </a:r>
+            <a:endParaRPr lang="nl-NL" sz="1200" kern="1200" dirty="0" smtClean="0">
+              <a:solidFill>
+                <a:schemeClr val="tx1"/>
+              </a:solidFill>
+              <a:effectLst/>
+              <a:latin typeface="+mn-lt"/>
+              <a:ea typeface="+mn-ea"/>
+              <a:cs typeface="+mn-cs"/>
+            </a:endParaRPr>
+          </a:p>
+          <a:p>
+            <a:pPr marL="171450" indent="-171450" rtl="0" fontAlgn="ctr">
+              <a:buFont typeface="Arial" charset="0"/>
+              <a:buChar char="•"/>
+            </a:pPr>
+            <a:r>
+              <a:rPr lang="nl-NL" sz="1200" kern="1200" dirty="0" err="1" smtClean="0">
+                <a:solidFill>
+                  <a:schemeClr val="tx1"/>
+                </a:solidFill>
+                <a:effectLst/>
+                <a:latin typeface="+mn-lt"/>
+                <a:ea typeface="+mn-ea"/>
+                <a:cs typeface="+mn-cs"/>
+              </a:rPr>
+              <a:t>Add</a:t>
+            </a:r>
+            <a:r>
+              <a:rPr lang="nl-NL" sz="1200" kern="1200" dirty="0" smtClean="0">
+                <a:solidFill>
+                  <a:schemeClr val="tx1"/>
+                </a:solidFill>
+                <a:effectLst/>
+                <a:latin typeface="+mn-lt"/>
+                <a:ea typeface="+mn-ea"/>
+                <a:cs typeface="+mn-cs"/>
+              </a:rPr>
+              <a:t> Extension </a:t>
+            </a:r>
+            <a:r>
+              <a:rPr lang="nl-NL" sz="1200" kern="1200" dirty="0" err="1" smtClean="0">
+                <a:solidFill>
+                  <a:schemeClr val="tx1"/>
+                </a:solidFill>
+                <a:effectLst/>
+                <a:latin typeface="+mn-lt"/>
+                <a:ea typeface="+mn-ea"/>
+                <a:cs typeface="+mn-cs"/>
+              </a:rPr>
+              <a:t>method</a:t>
+            </a:r>
+            <a:r>
+              <a:rPr lang="nl-NL" sz="1200" kern="1200" dirty="0" smtClean="0">
+                <a:solidFill>
+                  <a:schemeClr val="tx1"/>
+                </a:solidFill>
+                <a:effectLst/>
+                <a:latin typeface="+mn-lt"/>
+                <a:ea typeface="+mn-ea"/>
+                <a:cs typeface="+mn-cs"/>
+              </a:rPr>
+              <a:t> </a:t>
+            </a:r>
+            <a:r>
+              <a:rPr lang="nl-NL" sz="1200" kern="1200" dirty="0" err="1" smtClean="0">
+                <a:solidFill>
+                  <a:schemeClr val="tx1"/>
+                </a:solidFill>
+                <a:effectLst/>
+                <a:latin typeface="+mn-lt"/>
+                <a:ea typeface="+mn-ea"/>
+                <a:cs typeface="+mn-cs"/>
+              </a:rPr>
+              <a:t>to</a:t>
+            </a:r>
+            <a:r>
+              <a:rPr lang="nl-NL" sz="1200" kern="1200" dirty="0" smtClean="0">
+                <a:solidFill>
+                  <a:schemeClr val="tx1"/>
+                </a:solidFill>
+                <a:effectLst/>
+                <a:latin typeface="+mn-lt"/>
+                <a:ea typeface="+mn-ea"/>
+                <a:cs typeface="+mn-cs"/>
+              </a:rPr>
+              <a:t> </a:t>
+            </a:r>
+            <a:r>
+              <a:rPr lang="nl-NL" sz="1200" kern="1200" dirty="0" err="1" smtClean="0">
+                <a:solidFill>
+                  <a:schemeClr val="tx1"/>
+                </a:solidFill>
+                <a:effectLst/>
+                <a:latin typeface="+mn-lt"/>
+                <a:ea typeface="+mn-ea"/>
+                <a:cs typeface="+mn-cs"/>
+              </a:rPr>
+              <a:t>enable</a:t>
+            </a:r>
+            <a:r>
+              <a:rPr lang="nl-NL" sz="1200" kern="1200" dirty="0" smtClean="0">
+                <a:solidFill>
+                  <a:schemeClr val="tx1"/>
+                </a:solidFill>
+                <a:effectLst/>
+                <a:latin typeface="+mn-lt"/>
+                <a:ea typeface="+mn-ea"/>
+                <a:cs typeface="+mn-cs"/>
+              </a:rPr>
+              <a:t> </a:t>
+            </a:r>
+            <a:r>
+              <a:rPr lang="nl-NL" sz="1200" kern="1200" dirty="0" err="1" smtClean="0">
+                <a:solidFill>
+                  <a:schemeClr val="tx1"/>
+                </a:solidFill>
+                <a:effectLst/>
+                <a:latin typeface="+mn-lt"/>
+                <a:ea typeface="+mn-ea"/>
+                <a:cs typeface="+mn-cs"/>
+              </a:rPr>
+              <a:t>fluent</a:t>
+            </a:r>
+            <a:r>
+              <a:rPr lang="nl-NL" sz="1200" kern="1200" dirty="0" smtClean="0">
+                <a:solidFill>
+                  <a:schemeClr val="tx1"/>
+                </a:solidFill>
+                <a:effectLst/>
+                <a:latin typeface="+mn-lt"/>
+                <a:ea typeface="+mn-ea"/>
+                <a:cs typeface="+mn-cs"/>
+              </a:rPr>
+              <a:t> code </a:t>
+            </a:r>
+            <a:r>
+              <a:rPr lang="nl-NL" sz="1200" kern="1200" dirty="0" err="1" smtClean="0">
+                <a:solidFill>
+                  <a:schemeClr val="tx1"/>
+                </a:solidFill>
+                <a:effectLst/>
+                <a:latin typeface="+mn-lt"/>
+                <a:ea typeface="+mn-ea"/>
+                <a:cs typeface="+mn-cs"/>
+              </a:rPr>
+              <a:t>api</a:t>
+            </a:r>
+            <a:endParaRPr lang="nl-NL" sz="1200" kern="1200" dirty="0" smtClean="0">
+              <a:solidFill>
+                <a:schemeClr val="tx1"/>
+              </a:solidFill>
+              <a:effectLst/>
+              <a:latin typeface="+mn-lt"/>
+              <a:ea typeface="+mn-ea"/>
+              <a:cs typeface="+mn-cs"/>
+            </a:endParaRPr>
+          </a:p>
+          <a:p>
+            <a:pPr marL="171450" indent="-171450" rtl="0" fontAlgn="ctr">
+              <a:buFont typeface="Arial" charset="0"/>
+              <a:buChar char="•"/>
+            </a:pPr>
+            <a:r>
+              <a:rPr lang="nl-NL" sz="1200" kern="1200" dirty="0" err="1" smtClean="0">
+                <a:solidFill>
+                  <a:schemeClr val="tx1"/>
+                </a:solidFill>
+                <a:effectLst/>
+                <a:latin typeface="+mn-lt"/>
+                <a:ea typeface="+mn-ea"/>
+                <a:cs typeface="+mn-cs"/>
+              </a:rPr>
+              <a:t>Create</a:t>
+            </a:r>
+            <a:r>
+              <a:rPr lang="nl-NL" sz="1200" kern="1200" dirty="0" smtClean="0">
+                <a:solidFill>
+                  <a:schemeClr val="tx1"/>
+                </a:solidFill>
+                <a:effectLst/>
+                <a:latin typeface="+mn-lt"/>
+                <a:ea typeface="+mn-ea"/>
+                <a:cs typeface="+mn-cs"/>
+              </a:rPr>
+              <a:t> </a:t>
+            </a:r>
+            <a:r>
+              <a:rPr lang="nl-NL" sz="1200" kern="1200" dirty="0" err="1" smtClean="0">
+                <a:solidFill>
+                  <a:schemeClr val="tx1"/>
+                </a:solidFill>
+                <a:effectLst/>
+                <a:latin typeface="+mn-lt"/>
+                <a:ea typeface="+mn-ea"/>
+                <a:cs typeface="+mn-cs"/>
+              </a:rPr>
+              <a:t>an</a:t>
+            </a:r>
+            <a:r>
+              <a:rPr lang="nl-NL" sz="1200" kern="1200" dirty="0" smtClean="0">
+                <a:solidFill>
+                  <a:schemeClr val="tx1"/>
+                </a:solidFill>
+                <a:effectLst/>
+                <a:latin typeface="+mn-lt"/>
+                <a:ea typeface="+mn-ea"/>
+                <a:cs typeface="+mn-cs"/>
+              </a:rPr>
+              <a:t> effect but </a:t>
+            </a:r>
+            <a:r>
+              <a:rPr lang="nl-NL" sz="1200" kern="1200" dirty="0" err="1" smtClean="0">
+                <a:solidFill>
+                  <a:schemeClr val="tx1"/>
+                </a:solidFill>
+                <a:effectLst/>
+                <a:latin typeface="+mn-lt"/>
+                <a:ea typeface="+mn-ea"/>
+                <a:cs typeface="+mn-cs"/>
+              </a:rPr>
+              <a:t>now</a:t>
+            </a:r>
+            <a:r>
+              <a:rPr lang="nl-NL" sz="1200" kern="1200" dirty="0" smtClean="0">
+                <a:solidFill>
+                  <a:schemeClr val="tx1"/>
+                </a:solidFill>
+                <a:effectLst/>
+                <a:latin typeface="+mn-lt"/>
+                <a:ea typeface="+mn-ea"/>
+                <a:cs typeface="+mn-cs"/>
+              </a:rPr>
+              <a:t> </a:t>
+            </a:r>
+            <a:r>
+              <a:rPr lang="nl-NL" sz="1200" kern="1200" dirty="0" err="1" smtClean="0">
+                <a:solidFill>
+                  <a:schemeClr val="tx1"/>
+                </a:solidFill>
+                <a:effectLst/>
+                <a:latin typeface="+mn-lt"/>
+                <a:ea typeface="+mn-ea"/>
+                <a:cs typeface="+mn-cs"/>
+              </a:rPr>
+              <a:t>with</a:t>
+            </a:r>
+            <a:r>
+              <a:rPr lang="nl-NL" sz="1200" kern="1200" dirty="0" smtClean="0">
+                <a:solidFill>
+                  <a:schemeClr val="tx1"/>
+                </a:solidFill>
+                <a:effectLst/>
+                <a:latin typeface="+mn-lt"/>
+                <a:ea typeface="+mn-ea"/>
+                <a:cs typeface="+mn-cs"/>
+              </a:rPr>
+              <a:t> </a:t>
+            </a:r>
+            <a:r>
+              <a:rPr lang="nl-NL" sz="1200" kern="1200" dirty="0" err="1" smtClean="0">
+                <a:solidFill>
+                  <a:schemeClr val="tx1"/>
+                </a:solidFill>
+                <a:effectLst/>
+                <a:latin typeface="+mn-lt"/>
+                <a:ea typeface="+mn-ea"/>
+                <a:cs typeface="+mn-cs"/>
+              </a:rPr>
+              <a:t>some</a:t>
+            </a:r>
+            <a:r>
+              <a:rPr lang="nl-NL" sz="1200" kern="1200" dirty="0" smtClean="0">
+                <a:solidFill>
+                  <a:schemeClr val="tx1"/>
+                </a:solidFill>
+                <a:effectLst/>
+                <a:latin typeface="+mn-lt"/>
+                <a:ea typeface="+mn-ea"/>
+                <a:cs typeface="+mn-cs"/>
+              </a:rPr>
+              <a:t> platform </a:t>
+            </a:r>
+            <a:r>
+              <a:rPr lang="nl-NL" sz="1200" kern="1200" dirty="0" err="1" smtClean="0">
+                <a:solidFill>
+                  <a:schemeClr val="tx1"/>
+                </a:solidFill>
+                <a:effectLst/>
+                <a:latin typeface="+mn-lt"/>
+                <a:ea typeface="+mn-ea"/>
+                <a:cs typeface="+mn-cs"/>
+              </a:rPr>
+              <a:t>specifics</a:t>
+            </a:r>
+            <a:r>
+              <a:rPr lang="nl-NL" sz="1200" kern="1200" dirty="0" smtClean="0">
+                <a:solidFill>
+                  <a:schemeClr val="tx1"/>
+                </a:solidFill>
+                <a:effectLst/>
+                <a:latin typeface="+mn-lt"/>
+                <a:ea typeface="+mn-ea"/>
+                <a:cs typeface="+mn-cs"/>
+              </a:rPr>
+              <a:t> </a:t>
+            </a:r>
+            <a:r>
+              <a:rPr lang="nl-NL" sz="1200" kern="1200" dirty="0" err="1" smtClean="0">
+                <a:solidFill>
+                  <a:schemeClr val="tx1"/>
+                </a:solidFill>
+                <a:effectLst/>
+                <a:latin typeface="+mn-lt"/>
+                <a:ea typeface="+mn-ea"/>
+                <a:cs typeface="+mn-cs"/>
+              </a:rPr>
+              <a:t>extras</a:t>
+            </a:r>
+            <a:endParaRPr lang="nl-NL" sz="1200" kern="1200" dirty="0" smtClean="0">
+              <a:solidFill>
+                <a:schemeClr val="tx1"/>
+              </a:solidFill>
+              <a:effectLst/>
+              <a:latin typeface="+mn-lt"/>
+              <a:ea typeface="+mn-ea"/>
+              <a:cs typeface="+mn-cs"/>
+            </a:endParaRPr>
+          </a:p>
+          <a:p>
+            <a:endParaRPr lang="en-US" dirty="0"/>
+          </a:p>
+        </p:txBody>
+      </p:sp>
+      <p:sp>
+        <p:nvSpPr>
+          <p:cNvPr id="4" name="Slide Number Placeholder 3"/>
+          <p:cNvSpPr>
+            <a:spLocks noGrp="1"/>
+          </p:cNvSpPr>
+          <p:nvPr>
+            <p:ph type="sldNum" sz="quarter" idx="10"/>
+          </p:nvPr>
+        </p:nvSpPr>
+        <p:spPr/>
+        <p:txBody>
+          <a:bodyPr/>
+          <a:lstStyle/>
+          <a:p>
+            <a:fld id="{8C9C4A2D-E493-1B4E-AFE5-CB0D6A570086}" type="slidenum">
+              <a:rPr lang="en-US" smtClean="0"/>
+              <a:t>17</a:t>
+            </a:fld>
+            <a:endParaRPr lang="en-US"/>
+          </a:p>
+        </p:txBody>
+      </p:sp>
+    </p:spTree>
+    <p:extLst>
+      <p:ext uri="{BB962C8B-B14F-4D97-AF65-F5344CB8AC3E}">
+        <p14:creationId xmlns:p14="http://schemas.microsoft.com/office/powerpoint/2010/main" val="1750898954"/>
       </p:ext>
     </p:extLst>
   </p:cSld>
@@ -10288,6 +10979,397 @@
 </file>
 
 <file path=ppt/slides/slide17.xml><?xml version="1.0" encoding="utf-8"?>
+<p:sld xmlns:a="http://schemas.openxmlformats.org/drawingml/2006/main" xmlns:r="http://schemas.openxmlformats.org/officeDocument/2006/relationships" xmlns:p="http://schemas.openxmlformats.org/presentationml/2006/main">
+  <p:cSld>
+    <p:bg>
+      <p:bgPr>
+        <a:solidFill>
+          <a:schemeClr val="bg1">
+            <a:lumMod val="95000"/>
+          </a:schemeClr>
+        </a:solidFill>
+        <a:effectLst/>
+      </p:bgPr>
+    </p:bg>
+    <p:spTree>
+      <p:nvGrpSpPr>
+        <p:cNvPr id="1" name=""/>
+        <p:cNvGrpSpPr/>
+        <p:nvPr/>
+      </p:nvGrpSpPr>
+      <p:grpSpPr>
+        <a:xfrm>
+          <a:off x="0" y="0"/>
+          <a:ext cx="0" cy="0"/>
+          <a:chOff x="0" y="0"/>
+          <a:chExt cx="0" cy="0"/>
+        </a:xfrm>
+      </p:grpSpPr>
+      <p:sp>
+        <p:nvSpPr>
+          <p:cNvPr id="3" name="Subtitle 2"/>
+          <p:cNvSpPr>
+            <a:spLocks noGrp="1"/>
+          </p:cNvSpPr>
+          <p:nvPr>
+            <p:ph type="subTitle" idx="1"/>
+          </p:nvPr>
+        </p:nvSpPr>
+        <p:spPr>
+          <a:xfrm>
+            <a:off x="1322531" y="6093122"/>
+            <a:ext cx="2826327" cy="296857"/>
+          </a:xfrm>
+        </p:spPr>
+        <p:txBody>
+          <a:bodyPr>
+            <a:normAutofit fontScale="92500" lnSpcReduction="20000"/>
+          </a:bodyPr>
+          <a:lstStyle/>
+          <a:p>
+            <a:r>
+              <a:rPr lang="en-US" sz="2000" dirty="0" smtClean="0">
+                <a:solidFill>
+                  <a:srgbClr val="2BA5BD"/>
+                </a:solidFill>
+              </a:rPr>
+              <a:t>to the platform and back</a:t>
+            </a:r>
+            <a:endParaRPr lang="en-US" sz="2000" dirty="0">
+              <a:solidFill>
+                <a:srgbClr val="2BA5BD"/>
+              </a:solidFill>
+            </a:endParaRPr>
+          </a:p>
+        </p:txBody>
+      </p:sp>
+      <p:sp>
+        <p:nvSpPr>
+          <p:cNvPr id="5" name="Content Placeholder 2"/>
+          <p:cNvSpPr txBox="1">
+            <a:spLocks/>
+          </p:cNvSpPr>
+          <p:nvPr/>
+        </p:nvSpPr>
+        <p:spPr>
+          <a:xfrm>
+            <a:off x="558140" y="1306286"/>
+            <a:ext cx="11435938" cy="4043588"/>
+          </a:xfrm>
+          <a:prstGeom prst="rect">
+            <a:avLst/>
+          </a:prstGeom>
+        </p:spPr>
+        <p:txBody>
+          <a:bodyPr vert="horz" lIns="91440" tIns="45720" rIns="91440" bIns="45720" rtlCol="0" anchor="ctr">
+            <a:normAutofit/>
+          </a:bodyPr>
+          <a:lstStyle>
+            <a:lvl1pPr marL="0" indent="0" algn="ctr" defTabSz="914400" rtl="0" eaLnBrk="1" latinLnBrk="0" hangingPunct="1">
+              <a:lnSpc>
+                <a:spcPct val="90000"/>
+              </a:lnSpc>
+              <a:spcBef>
+                <a:spcPts val="1000"/>
+              </a:spcBef>
+              <a:buFont typeface="Arial"/>
+              <a:buNone/>
+              <a:defRPr sz="2400" kern="1200">
+                <a:solidFill>
+                  <a:schemeClr val="tx1"/>
+                </a:solidFill>
+                <a:latin typeface="+mn-lt"/>
+                <a:ea typeface="+mn-ea"/>
+                <a:cs typeface="+mn-cs"/>
+              </a:defRPr>
+            </a:lvl1pPr>
+            <a:lvl2pPr marL="457200" indent="0" algn="ctr" defTabSz="914400" rtl="0" eaLnBrk="1" latinLnBrk="0" hangingPunct="1">
+              <a:lnSpc>
+                <a:spcPct val="90000"/>
+              </a:lnSpc>
+              <a:spcBef>
+                <a:spcPts val="500"/>
+              </a:spcBef>
+              <a:buFont typeface="Arial"/>
+              <a:buNone/>
+              <a:defRPr sz="2000" kern="1200">
+                <a:solidFill>
+                  <a:schemeClr val="tx1"/>
+                </a:solidFill>
+                <a:latin typeface="+mn-lt"/>
+                <a:ea typeface="+mn-ea"/>
+                <a:cs typeface="+mn-cs"/>
+              </a:defRPr>
+            </a:lvl2pPr>
+            <a:lvl3pPr marL="914400" indent="0" algn="ctr" defTabSz="914400" rtl="0" eaLnBrk="1" latinLnBrk="0" hangingPunct="1">
+              <a:lnSpc>
+                <a:spcPct val="90000"/>
+              </a:lnSpc>
+              <a:spcBef>
+                <a:spcPts val="500"/>
+              </a:spcBef>
+              <a:buFont typeface="Arial"/>
+              <a:buNone/>
+              <a:defRPr sz="1800" kern="1200">
+                <a:solidFill>
+                  <a:schemeClr val="tx1"/>
+                </a:solidFill>
+                <a:latin typeface="+mn-lt"/>
+                <a:ea typeface="+mn-ea"/>
+                <a:cs typeface="+mn-cs"/>
+              </a:defRPr>
+            </a:lvl3pPr>
+            <a:lvl4pPr marL="1371600" indent="0" algn="ctr" defTabSz="914400" rtl="0" eaLnBrk="1" latinLnBrk="0" hangingPunct="1">
+              <a:lnSpc>
+                <a:spcPct val="90000"/>
+              </a:lnSpc>
+              <a:spcBef>
+                <a:spcPts val="500"/>
+              </a:spcBef>
+              <a:buFont typeface="Arial"/>
+              <a:buNone/>
+              <a:defRPr sz="1600" kern="1200">
+                <a:solidFill>
+                  <a:schemeClr val="tx1"/>
+                </a:solidFill>
+                <a:latin typeface="+mn-lt"/>
+                <a:ea typeface="+mn-ea"/>
+                <a:cs typeface="+mn-cs"/>
+              </a:defRPr>
+            </a:lvl4pPr>
+            <a:lvl5pPr marL="1828800" indent="0" algn="ctr" defTabSz="914400" rtl="0" eaLnBrk="1" latinLnBrk="0" hangingPunct="1">
+              <a:lnSpc>
+                <a:spcPct val="90000"/>
+              </a:lnSpc>
+              <a:spcBef>
+                <a:spcPts val="500"/>
+              </a:spcBef>
+              <a:buFont typeface="Arial"/>
+              <a:buNone/>
+              <a:defRPr sz="1600" kern="1200">
+                <a:solidFill>
+                  <a:schemeClr val="tx1"/>
+                </a:solidFill>
+                <a:latin typeface="+mn-lt"/>
+                <a:ea typeface="+mn-ea"/>
+                <a:cs typeface="+mn-cs"/>
+              </a:defRPr>
+            </a:lvl5pPr>
+            <a:lvl6pPr marL="2286000" indent="0" algn="ctr" defTabSz="914400" rtl="0" eaLnBrk="1" latinLnBrk="0" hangingPunct="1">
+              <a:lnSpc>
+                <a:spcPct val="90000"/>
+              </a:lnSpc>
+              <a:spcBef>
+                <a:spcPts val="500"/>
+              </a:spcBef>
+              <a:buFont typeface="Arial"/>
+              <a:buNone/>
+              <a:defRPr sz="1600" kern="1200">
+                <a:solidFill>
+                  <a:schemeClr val="tx1"/>
+                </a:solidFill>
+                <a:latin typeface="+mn-lt"/>
+                <a:ea typeface="+mn-ea"/>
+                <a:cs typeface="+mn-cs"/>
+              </a:defRPr>
+            </a:lvl6pPr>
+            <a:lvl7pPr marL="2743200" indent="0" algn="ctr" defTabSz="914400" rtl="0" eaLnBrk="1" latinLnBrk="0" hangingPunct="1">
+              <a:lnSpc>
+                <a:spcPct val="90000"/>
+              </a:lnSpc>
+              <a:spcBef>
+                <a:spcPts val="500"/>
+              </a:spcBef>
+              <a:buFont typeface="Arial"/>
+              <a:buNone/>
+              <a:defRPr sz="1600" kern="1200">
+                <a:solidFill>
+                  <a:schemeClr val="tx1"/>
+                </a:solidFill>
+                <a:latin typeface="+mn-lt"/>
+                <a:ea typeface="+mn-ea"/>
+                <a:cs typeface="+mn-cs"/>
+              </a:defRPr>
+            </a:lvl7pPr>
+            <a:lvl8pPr marL="3200400" indent="0" algn="ctr" defTabSz="914400" rtl="0" eaLnBrk="1" latinLnBrk="0" hangingPunct="1">
+              <a:lnSpc>
+                <a:spcPct val="90000"/>
+              </a:lnSpc>
+              <a:spcBef>
+                <a:spcPts val="500"/>
+              </a:spcBef>
+              <a:buFont typeface="Arial"/>
+              <a:buNone/>
+              <a:defRPr sz="1600" kern="1200">
+                <a:solidFill>
+                  <a:schemeClr val="tx1"/>
+                </a:solidFill>
+                <a:latin typeface="+mn-lt"/>
+                <a:ea typeface="+mn-ea"/>
+                <a:cs typeface="+mn-cs"/>
+              </a:defRPr>
+            </a:lvl8pPr>
+            <a:lvl9pPr marL="3657600" indent="0" algn="ctr" defTabSz="914400" rtl="0" eaLnBrk="1" latinLnBrk="0" hangingPunct="1">
+              <a:lnSpc>
+                <a:spcPct val="90000"/>
+              </a:lnSpc>
+              <a:spcBef>
+                <a:spcPts val="500"/>
+              </a:spcBef>
+              <a:buFont typeface="Arial"/>
+              <a:buNone/>
+              <a:defRPr sz="1600" kern="1200">
+                <a:solidFill>
+                  <a:schemeClr val="tx1"/>
+                </a:solidFill>
+                <a:latin typeface="+mn-lt"/>
+                <a:ea typeface="+mn-ea"/>
+                <a:cs typeface="+mn-cs"/>
+              </a:defRPr>
+            </a:lvl9pPr>
+          </a:lstStyle>
+          <a:p>
+            <a:r>
+              <a:rPr lang="nl-NL" sz="4000" dirty="0" smtClean="0">
+                <a:solidFill>
+                  <a:srgbClr val="2BA5BD"/>
+                </a:solidFill>
+              </a:rPr>
+              <a:t>DEMO</a:t>
+            </a:r>
+            <a:endParaRPr lang="nl-NL" sz="4000" dirty="0">
+              <a:solidFill>
+                <a:srgbClr val="2BA5BD"/>
+              </a:solidFill>
+            </a:endParaRPr>
+          </a:p>
+          <a:p>
+            <a:pPr algn="l"/>
+            <a:endParaRPr lang="en-US" dirty="0" smtClean="0">
+              <a:solidFill>
+                <a:srgbClr val="2BA5BD"/>
+              </a:solidFill>
+            </a:endParaRPr>
+          </a:p>
+          <a:p>
+            <a:pPr algn="l"/>
+            <a:endParaRPr lang="en-US" dirty="0" smtClean="0">
+              <a:solidFill>
+                <a:srgbClr val="2BA5BD"/>
+              </a:solidFill>
+            </a:endParaRPr>
+          </a:p>
+        </p:txBody>
+      </p:sp>
+      <p:sp>
+        <p:nvSpPr>
+          <p:cNvPr id="6" name="Title 1"/>
+          <p:cNvSpPr txBox="1">
+            <a:spLocks/>
+          </p:cNvSpPr>
+          <p:nvPr/>
+        </p:nvSpPr>
+        <p:spPr>
+          <a:xfrm>
+            <a:off x="558140" y="365126"/>
+            <a:ext cx="10795660" cy="739280"/>
+          </a:xfrm>
+          <a:prstGeom prst="rect">
+            <a:avLst/>
+          </a:prstGeom>
+        </p:spPr>
+        <p:txBody>
+          <a:bodyPr vert="horz" lIns="91440" tIns="45720" rIns="91440" bIns="45720" rtlCol="0" anchor="b">
+            <a:normAutofit lnSpcReduction="10000"/>
+          </a:bodyPr>
+          <a:lstStyle>
+            <a:lvl1pPr algn="ctr" defTabSz="914400" rtl="0" eaLnBrk="1" latinLnBrk="0" hangingPunct="1">
+              <a:lnSpc>
+                <a:spcPct val="90000"/>
+              </a:lnSpc>
+              <a:spcBef>
+                <a:spcPct val="0"/>
+              </a:spcBef>
+              <a:buNone/>
+              <a:defRPr sz="6000" kern="1200">
+                <a:solidFill>
+                  <a:schemeClr val="tx1"/>
+                </a:solidFill>
+                <a:latin typeface="+mj-lt"/>
+                <a:ea typeface="+mj-ea"/>
+                <a:cs typeface="+mj-cs"/>
+              </a:defRPr>
+            </a:lvl1pPr>
+          </a:lstStyle>
+          <a:p>
+            <a:pPr algn="l"/>
+            <a:r>
+              <a:rPr lang="en-US" sz="4800" dirty="0">
+                <a:solidFill>
+                  <a:srgbClr val="2BA5BD"/>
+                </a:solidFill>
+              </a:rPr>
+              <a:t>Native controls</a:t>
+            </a:r>
+            <a:endParaRPr lang="en-US" sz="4800" dirty="0">
+              <a:solidFill>
+                <a:srgbClr val="2BA5BD"/>
+              </a:solidFill>
+            </a:endParaRPr>
+          </a:p>
+        </p:txBody>
+      </p:sp>
+      <p:pic>
+        <p:nvPicPr>
+          <p:cNvPr id="7" name="Picture 6"/>
+          <p:cNvPicPr>
+            <a:picLocks noChangeAspect="1"/>
+          </p:cNvPicPr>
+          <p:nvPr/>
+        </p:nvPicPr>
+        <p:blipFill>
+          <a:blip r:embed="rId3">
+            <a:extLst>
+              <a:ext uri="{28A0092B-C50C-407E-A947-70E740481C1C}">
+                <a14:useLocalDpi xmlns:a14="http://schemas.microsoft.com/office/drawing/2010/main" val="0"/>
+              </a:ext>
+            </a:extLst>
+          </a:blip>
+          <a:stretch>
+            <a:fillRect/>
+          </a:stretch>
+        </p:blipFill>
+        <p:spPr>
+          <a:xfrm>
+            <a:off x="178816" y="5771408"/>
+            <a:ext cx="1143715" cy="940287"/>
+          </a:xfrm>
+          <a:prstGeom prst="rect">
+            <a:avLst/>
+          </a:prstGeom>
+        </p:spPr>
+      </p:pic>
+    </p:spTree>
+    <p:extLst>
+      <p:ext uri="{BB962C8B-B14F-4D97-AF65-F5344CB8AC3E}">
+        <p14:creationId xmlns:p14="http://schemas.microsoft.com/office/powerpoint/2010/main" val="815808086"/>
+      </p:ext>
+    </p:extLst>
+  </p:cSld>
+  <p:clrMapOvr>
+    <a:masterClrMapping/>
+  </p:clrMapOvr>
+  <p:timing>
+    <p:tnLst>
+      <p:par>
+        <p:cTn id="1" dur="indefinite" restart="never" nodeType="tmRoot"/>
+      </p:par>
+    </p:tnLst>
+  </p:timing>
+</p:sld>
+</file>
+
+<file path=ppt/slides/slide18.xml><?xml version="1.0" encoding="utf-8"?>
 <p:sld xmlns:a="http://schemas.openxmlformats.org/drawingml/2006/main" xmlns:r="http://schemas.openxmlformats.org/officeDocument/2006/relationships" xmlns:p="http://schemas.openxmlformats.org/presentationml/2006/main">
   <p:cSld>
     <p:bg>

--- a/Presentation/20170314 - Xamarin Forms to the platform and back.pptx
+++ b/Presentation/20170314 - Xamarin Forms to the platform and back.pptx
@@ -214,7 +214,7 @@
           <a:p>
             <a:fld id="{91C5F395-1519-D946-BCC6-A9D4E58A22D7}" type="datetimeFigureOut">
               <a:rPr lang="en-US" smtClean="0"/>
-              <a:t>3/13/17</a:t>
+              <a:t>3/14/17</a:t>
             </a:fld>
             <a:endParaRPr lang="en-US"/>
           </a:p>
@@ -4495,7 +4495,7 @@
           <a:p>
             <a:fld id="{1F8ACFAE-BC0A-2349-A16A-4E92DBEC511A}" type="datetimeFigureOut">
               <a:rPr lang="en-US" smtClean="0"/>
-              <a:t>3/13/17</a:t>
+              <a:t>3/14/17</a:t>
             </a:fld>
             <a:endParaRPr lang="en-US"/>
           </a:p>
@@ -4665,7 +4665,7 @@
           <a:p>
             <a:fld id="{1F8ACFAE-BC0A-2349-A16A-4E92DBEC511A}" type="datetimeFigureOut">
               <a:rPr lang="en-US" smtClean="0"/>
-              <a:t>3/13/17</a:t>
+              <a:t>3/14/17</a:t>
             </a:fld>
             <a:endParaRPr lang="en-US"/>
           </a:p>
@@ -4845,7 +4845,7 @@
           <a:p>
             <a:fld id="{1F8ACFAE-BC0A-2349-A16A-4E92DBEC511A}" type="datetimeFigureOut">
               <a:rPr lang="en-US" smtClean="0"/>
-              <a:t>3/13/17</a:t>
+              <a:t>3/14/17</a:t>
             </a:fld>
             <a:endParaRPr lang="en-US"/>
           </a:p>
@@ -5015,7 +5015,7 @@
           <a:p>
             <a:fld id="{1F8ACFAE-BC0A-2349-A16A-4E92DBEC511A}" type="datetimeFigureOut">
               <a:rPr lang="en-US" smtClean="0"/>
-              <a:t>3/13/17</a:t>
+              <a:t>3/14/17</a:t>
             </a:fld>
             <a:endParaRPr lang="en-US"/>
           </a:p>
@@ -5261,7 +5261,7 @@
           <a:p>
             <a:fld id="{1F8ACFAE-BC0A-2349-A16A-4E92DBEC511A}" type="datetimeFigureOut">
               <a:rPr lang="en-US" smtClean="0"/>
-              <a:t>3/13/17</a:t>
+              <a:t>3/14/17</a:t>
             </a:fld>
             <a:endParaRPr lang="en-US"/>
           </a:p>
@@ -5493,7 +5493,7 @@
           <a:p>
             <a:fld id="{1F8ACFAE-BC0A-2349-A16A-4E92DBEC511A}" type="datetimeFigureOut">
               <a:rPr lang="en-US" smtClean="0"/>
-              <a:t>3/13/17</a:t>
+              <a:t>3/14/17</a:t>
             </a:fld>
             <a:endParaRPr lang="en-US"/>
           </a:p>
@@ -5860,7 +5860,7 @@
           <a:p>
             <a:fld id="{1F8ACFAE-BC0A-2349-A16A-4E92DBEC511A}" type="datetimeFigureOut">
               <a:rPr lang="en-US" smtClean="0"/>
-              <a:t>3/13/17</a:t>
+              <a:t>3/14/17</a:t>
             </a:fld>
             <a:endParaRPr lang="en-US"/>
           </a:p>
@@ -5978,7 +5978,7 @@
           <a:p>
             <a:fld id="{1F8ACFAE-BC0A-2349-A16A-4E92DBEC511A}" type="datetimeFigureOut">
               <a:rPr lang="en-US" smtClean="0"/>
-              <a:t>3/13/17</a:t>
+              <a:t>3/14/17</a:t>
             </a:fld>
             <a:endParaRPr lang="en-US"/>
           </a:p>
@@ -6073,7 +6073,7 @@
           <a:p>
             <a:fld id="{1F8ACFAE-BC0A-2349-A16A-4E92DBEC511A}" type="datetimeFigureOut">
               <a:rPr lang="en-US" smtClean="0"/>
-              <a:t>3/13/17</a:t>
+              <a:t>3/14/17</a:t>
             </a:fld>
             <a:endParaRPr lang="en-US"/>
           </a:p>
@@ -6350,7 +6350,7 @@
           <a:p>
             <a:fld id="{1F8ACFAE-BC0A-2349-A16A-4E92DBEC511A}" type="datetimeFigureOut">
               <a:rPr lang="en-US" smtClean="0"/>
-              <a:t>3/13/17</a:t>
+              <a:t>3/14/17</a:t>
             </a:fld>
             <a:endParaRPr lang="en-US"/>
           </a:p>
@@ -6603,7 +6603,7 @@
           <a:p>
             <a:fld id="{1F8ACFAE-BC0A-2349-A16A-4E92DBEC511A}" type="datetimeFigureOut">
               <a:rPr lang="en-US" smtClean="0"/>
-              <a:t>3/13/17</a:t>
+              <a:t>3/14/17</a:t>
             </a:fld>
             <a:endParaRPr lang="en-US"/>
           </a:p>
@@ -6816,7 +6816,7 @@
           <a:p>
             <a:fld id="{1F8ACFAE-BC0A-2349-A16A-4E92DBEC511A}" type="datetimeFigureOut">
               <a:rPr lang="en-US" smtClean="0"/>
-              <a:t>3/13/17</a:t>
+              <a:t>3/14/17</a:t>
             </a:fld>
             <a:endParaRPr lang="en-US"/>
           </a:p>
@@ -11311,11 +11311,6 @@
               </a:rPr>
               <a:t>Native controls</a:t>
             </a:r>
-            <a:endParaRPr lang="en-US" sz="4800" dirty="0">
-              <a:solidFill>
-                <a:srgbClr val="2BA5BD"/>
-              </a:solidFill>
-            </a:endParaRPr>
           </a:p>
         </p:txBody>
       </p:sp>
@@ -11941,7 +11936,9 @@
           </a:xfrm>
         </p:spPr>
         <p:txBody>
-          <a:bodyPr/>
+          <a:bodyPr>
+            <a:normAutofit fontScale="85000" lnSpcReduction="20000"/>
+          </a:bodyPr>
           <a:lstStyle/>
           <a:p>
             <a:pPr algn="l"/>
@@ -11972,6 +11969,40 @@
               </a:rPr>
               <a:t>depechie</a:t>
             </a:r>
+            <a:endParaRPr lang="en-US" dirty="0" smtClean="0">
+              <a:solidFill>
+                <a:srgbClr val="2BA5BD"/>
+              </a:solidFill>
+            </a:endParaRPr>
+          </a:p>
+          <a:p>
+            <a:pPr algn="l"/>
+            <a:r>
+              <a:rPr lang="en-US" dirty="0">
+                <a:solidFill>
+                  <a:srgbClr val="2BA5BD"/>
+                </a:solidFill>
+                <a:hlinkClick r:id="rId3"/>
+              </a:rPr>
+              <a:t>http://</a:t>
+            </a:r>
+            <a:r>
+              <a:rPr lang="en-US" dirty="0" smtClean="0">
+                <a:solidFill>
+                  <a:srgbClr val="2BA5BD"/>
+                </a:solidFill>
+                <a:hlinkClick r:id="rId3"/>
+              </a:rPr>
+              <a:t>madn.be</a:t>
+            </a:r>
+            <a:endParaRPr lang="en-US" smtClean="0">
+              <a:solidFill>
+                <a:srgbClr val="2BA5BD"/>
+              </a:solidFill>
+            </a:endParaRPr>
+          </a:p>
+          <a:p>
+            <a:pPr algn="l"/>
             <a:endParaRPr lang="en-US" dirty="0" smtClean="0">
               <a:solidFill>
                 <a:srgbClr val="2BA5BD"/>
@@ -11989,7 +12020,7 @@
           <p:nvPr/>
         </p:nvPicPr>
         <p:blipFill>
-          <a:blip r:embed="rId3">
+          <a:blip r:embed="rId4">
             <a:extLst>
               <a:ext uri="{28A0092B-C50C-407E-A947-70E740481C1C}">
                 <a14:useLocalDpi xmlns:a14="http://schemas.microsoft.com/office/drawing/2010/main" val="0"/>
@@ -12019,7 +12050,7 @@
           <p:nvPr/>
         </p:nvPicPr>
         <p:blipFill>
-          <a:blip r:embed="rId4"/>
+          <a:blip r:embed="rId5"/>
           <a:stretch>
             <a:fillRect/>
           </a:stretch>
